--- a/middle_slides.pptx
+++ b/middle_slides.pptx
@@ -4175,7 +4175,7 @@
         <p:spPr>
           <a:xfrm>
             <a:off x="-274320" y="1005840"/>
-            <a:ext cx="10241280" cy="5303520"/>
+            <a:ext cx="10241280" cy="4114800"/>
           </a:xfrm>
           <a:prstGeom prst="roundRect">
             <a:avLst/>
@@ -4221,7 +4221,7 @@
         </p:nvGraphicFramePr>
         <p:xfrm>
           <a:off x="91440" y="1371600"/>
-          <a:ext cx="9532803" cy="4663440"/>
+          <a:ext cx="9532803" cy="3474720"/>
         </p:xfrm>
         <a:graphic>
           <a:graphicData uri="http://schemas.openxmlformats.org/drawingml/2006/table">
@@ -4238,13 +4238,13 @@
                 <a:gridCol w="1088502"/>
                 <a:gridCol w="1691640"/>
               </a:tblGrid>
-              <a:tr h="1554480">
-                <a:tc>
-                  <a:txBody>
-                    <a:bodyPr wrap="none"/>
-                    <a:lstStyle/>
-                    <a:p>
-                      <a:pPr algn="ctr">
+              <a:tr h="365760">
+                <a:tc>
+                  <a:txBody>
+                    <a:bodyPr wrap="none"/>
+                    <a:lstStyle/>
+                    <a:p>
+                      <a:pPr algn="l">
                         <a:defRPr b="1" sz="1600">
                           <a:solidFill>
                             <a:srgbClr val="FFFFFF"/>
@@ -4267,7 +4267,7 @@
                     <a:bodyPr wrap="none"/>
                     <a:lstStyle/>
                     <a:p>
-                      <a:pPr algn="ctr">
+                      <a:pPr algn="l">
                         <a:defRPr b="1" sz="1600">
                           <a:solidFill>
                             <a:srgbClr val="FFFFFF"/>
@@ -4290,7 +4290,7 @@
                     <a:bodyPr wrap="none"/>
                     <a:lstStyle/>
                     <a:p>
-                      <a:pPr algn="ctr">
+                      <a:pPr algn="l">
                         <a:defRPr b="1" sz="1600">
                           <a:solidFill>
                             <a:srgbClr val="FFFFFF"/>
@@ -4313,7 +4313,7 @@
                     <a:bodyPr wrap="none"/>
                     <a:lstStyle/>
                     <a:p>
-                      <a:pPr algn="ctr">
+                      <a:pPr algn="l">
                         <a:defRPr b="1" sz="1600">
                           <a:solidFill>
                             <a:srgbClr val="FFFFFF"/>
@@ -4336,7 +4336,7 @@
                     <a:bodyPr wrap="none"/>
                     <a:lstStyle/>
                     <a:p>
-                      <a:pPr algn="ctr">
+                      <a:pPr algn="l">
                         <a:defRPr b="1" sz="1600">
                           <a:solidFill>
                             <a:srgbClr val="FFFFFF"/>
@@ -4359,7 +4359,7 @@
                     <a:bodyPr wrap="none"/>
                     <a:lstStyle/>
                     <a:p>
-                      <a:pPr algn="ctr">
+                      <a:pPr algn="l">
                         <a:defRPr b="1" sz="1600">
                           <a:solidFill>
                             <a:srgbClr val="FFFFFF"/>
@@ -4382,7 +4382,7 @@
                     <a:bodyPr wrap="none"/>
                     <a:lstStyle/>
                     <a:p>
-                      <a:pPr algn="ctr">
+                      <a:pPr algn="l">
                         <a:defRPr b="1" sz="1600">
                           <a:solidFill>
                             <a:srgbClr val="FFFFFF"/>
@@ -4739,7 +4739,7 @@
         </p:nvSpPr>
         <p:spPr>
           <a:xfrm>
-            <a:off x="8938443" y="3648456"/>
+            <a:off x="8938443" y="2459736"/>
             <a:ext cx="640080" cy="109728"/>
           </a:xfrm>
           <a:prstGeom prst="roundRect">
@@ -4782,7 +4782,7 @@
         </p:nvSpPr>
         <p:spPr>
           <a:xfrm>
-            <a:off x="8938443" y="3648456"/>
+            <a:off x="8938443" y="2459736"/>
             <a:ext cx="244510" cy="109728"/>
           </a:xfrm>
           <a:prstGeom prst="roundRect">
@@ -4825,7 +4825,7 @@
         </p:nvSpPr>
         <p:spPr>
           <a:xfrm>
-            <a:off x="8938443" y="5202936"/>
+            <a:off x="8938443" y="4014216"/>
             <a:ext cx="640080" cy="109728"/>
           </a:xfrm>
           <a:prstGeom prst="roundRect">
@@ -4868,7 +4868,7 @@
         </p:nvSpPr>
         <p:spPr>
           <a:xfrm>
-            <a:off x="8938443" y="5202936"/>
+            <a:off x="8938443" y="4014216"/>
             <a:ext cx="213018" cy="109728"/>
           </a:xfrm>
           <a:prstGeom prst="roundRect">
@@ -5078,7 +5078,7 @@
         <p:spPr>
           <a:xfrm>
             <a:off x="-274320" y="1005840"/>
-            <a:ext cx="10241280" cy="5303520"/>
+            <a:ext cx="10241280" cy="5336178"/>
           </a:xfrm>
           <a:prstGeom prst="roundRect">
             <a:avLst/>
@@ -5124,7 +5124,7 @@
         </p:nvGraphicFramePr>
         <p:xfrm>
           <a:off x="91440" y="1371600"/>
-          <a:ext cx="9532803" cy="4663440"/>
+          <a:ext cx="9532803" cy="4696098"/>
         </p:xfrm>
         <a:graphic>
           <a:graphicData uri="http://schemas.openxmlformats.org/drawingml/2006/table">
@@ -5141,13 +5141,13 @@
                 <a:gridCol w="1088502"/>
                 <a:gridCol w="1691640"/>
               </a:tblGrid>
-              <a:tr h="333102">
-                <a:tc>
-                  <a:txBody>
-                    <a:bodyPr wrap="none"/>
-                    <a:lstStyle/>
-                    <a:p>
-                      <a:pPr algn="ctr">
+              <a:tr h="365760">
+                <a:tc>
+                  <a:txBody>
+                    <a:bodyPr wrap="none"/>
+                    <a:lstStyle/>
+                    <a:p>
+                      <a:pPr algn="l">
                         <a:defRPr b="1" sz="1600">
                           <a:solidFill>
                             <a:srgbClr val="FFFFFF"/>
@@ -5170,7 +5170,7 @@
                     <a:bodyPr wrap="none"/>
                     <a:lstStyle/>
                     <a:p>
-                      <a:pPr algn="ctr">
+                      <a:pPr algn="l">
                         <a:defRPr b="1" sz="1600">
                           <a:solidFill>
                             <a:srgbClr val="FFFFFF"/>
@@ -5193,7 +5193,7 @@
                     <a:bodyPr wrap="none"/>
                     <a:lstStyle/>
                     <a:p>
-                      <a:pPr algn="ctr">
+                      <a:pPr algn="l">
                         <a:defRPr b="1" sz="1600">
                           <a:solidFill>
                             <a:srgbClr val="FFFFFF"/>
@@ -5216,7 +5216,7 @@
                     <a:bodyPr wrap="none"/>
                     <a:lstStyle/>
                     <a:p>
-                      <a:pPr algn="ctr">
+                      <a:pPr algn="l">
                         <a:defRPr b="1" sz="1600">
                           <a:solidFill>
                             <a:srgbClr val="FFFFFF"/>
@@ -5239,7 +5239,7 @@
                     <a:bodyPr wrap="none"/>
                     <a:lstStyle/>
                     <a:p>
-                      <a:pPr algn="ctr">
+                      <a:pPr algn="l">
                         <a:defRPr b="1" sz="1600">
                           <a:solidFill>
                             <a:srgbClr val="FFFFFF"/>
@@ -5262,7 +5262,7 @@
                     <a:bodyPr wrap="none"/>
                     <a:lstStyle/>
                     <a:p>
-                      <a:pPr algn="ctr">
+                      <a:pPr algn="l">
                         <a:defRPr b="1" sz="1600">
                           <a:solidFill>
                             <a:srgbClr val="FFFFFF"/>
@@ -5285,7 +5285,7 @@
                     <a:bodyPr wrap="none"/>
                     <a:lstStyle/>
                     <a:p>
-                      <a:pPr algn="ctr">
+                      <a:pPr algn="l">
                         <a:defRPr b="1" sz="1600">
                           <a:solidFill>
                             <a:srgbClr val="FFFFFF"/>
@@ -7435,7 +7435,7 @@
         </p:nvSpPr>
         <p:spPr>
           <a:xfrm>
-            <a:off x="8938443" y="1816389"/>
+            <a:off x="8938443" y="1849047"/>
             <a:ext cx="640080" cy="109728"/>
           </a:xfrm>
           <a:prstGeom prst="roundRect">
@@ -7478,7 +7478,7 @@
         </p:nvSpPr>
         <p:spPr>
           <a:xfrm>
-            <a:off x="8938443" y="1816389"/>
+            <a:off x="8938443" y="1849047"/>
             <a:ext cx="241566" cy="109728"/>
           </a:xfrm>
           <a:prstGeom prst="roundRect">
@@ -7521,7 +7521,7 @@
         </p:nvSpPr>
         <p:spPr>
           <a:xfrm>
-            <a:off x="8938443" y="2149491"/>
+            <a:off x="8938443" y="2182149"/>
             <a:ext cx="640080" cy="109728"/>
           </a:xfrm>
           <a:prstGeom prst="roundRect">
@@ -7564,7 +7564,7 @@
         </p:nvSpPr>
         <p:spPr>
           <a:xfrm>
-            <a:off x="8938443" y="2149491"/>
+            <a:off x="8938443" y="2182149"/>
             <a:ext cx="180438" cy="109728"/>
           </a:xfrm>
           <a:prstGeom prst="roundRect">
@@ -7607,7 +7607,7 @@
         </p:nvSpPr>
         <p:spPr>
           <a:xfrm>
-            <a:off x="8938443" y="2482593"/>
+            <a:off x="8938443" y="2515251"/>
             <a:ext cx="640080" cy="109728"/>
           </a:xfrm>
           <a:prstGeom prst="roundRect">
@@ -7650,7 +7650,7 @@
         </p:nvSpPr>
         <p:spPr>
           <a:xfrm>
-            <a:off x="8938443" y="2482593"/>
+            <a:off x="8938443" y="2515251"/>
             <a:ext cx="235869" cy="109728"/>
           </a:xfrm>
           <a:prstGeom prst="roundRect">
@@ -7693,7 +7693,7 @@
         </p:nvSpPr>
         <p:spPr>
           <a:xfrm>
-            <a:off x="8938443" y="2815695"/>
+            <a:off x="8938443" y="2848353"/>
             <a:ext cx="640080" cy="109728"/>
           </a:xfrm>
           <a:prstGeom prst="roundRect">
@@ -7736,7 +7736,7 @@
         </p:nvSpPr>
         <p:spPr>
           <a:xfrm>
-            <a:off x="8938443" y="2815695"/>
+            <a:off x="8938443" y="2848353"/>
             <a:ext cx="193112" cy="109728"/>
           </a:xfrm>
           <a:prstGeom prst="roundRect">
@@ -7779,7 +7779,7 @@
         </p:nvSpPr>
         <p:spPr>
           <a:xfrm>
-            <a:off x="8938443" y="3148797"/>
+            <a:off x="8938443" y="3181455"/>
             <a:ext cx="640080" cy="109728"/>
           </a:xfrm>
           <a:prstGeom prst="roundRect">
@@ -7822,7 +7822,7 @@
         </p:nvSpPr>
         <p:spPr>
           <a:xfrm>
-            <a:off x="8938443" y="3148797"/>
+            <a:off x="8938443" y="3181455"/>
             <a:ext cx="261152" cy="109728"/>
           </a:xfrm>
           <a:prstGeom prst="roundRect">
@@ -7865,7 +7865,7 @@
         </p:nvSpPr>
         <p:spPr>
           <a:xfrm>
-            <a:off x="8938443" y="3481899"/>
+            <a:off x="8938443" y="3514557"/>
             <a:ext cx="640080" cy="109728"/>
           </a:xfrm>
           <a:prstGeom prst="roundRect">
@@ -7908,7 +7908,7 @@
         </p:nvSpPr>
         <p:spPr>
           <a:xfrm>
-            <a:off x="8938443" y="3481899"/>
+            <a:off x="8938443" y="3514557"/>
             <a:ext cx="230108" cy="109728"/>
           </a:xfrm>
           <a:prstGeom prst="roundRect">
@@ -7951,7 +7951,7 @@
         </p:nvSpPr>
         <p:spPr>
           <a:xfrm>
-            <a:off x="8938443" y="3815001"/>
+            <a:off x="8938443" y="3847659"/>
             <a:ext cx="640080" cy="109728"/>
           </a:xfrm>
           <a:prstGeom prst="roundRect">
@@ -7994,7 +7994,7 @@
         </p:nvSpPr>
         <p:spPr>
           <a:xfrm>
-            <a:off x="8938443" y="3815001"/>
+            <a:off x="8938443" y="3847659"/>
             <a:ext cx="194584" cy="109728"/>
           </a:xfrm>
           <a:prstGeom prst="roundRect">
@@ -8037,7 +8037,7 @@
         </p:nvSpPr>
         <p:spPr>
           <a:xfrm>
-            <a:off x="8938443" y="4148103"/>
+            <a:off x="8938443" y="4180761"/>
             <a:ext cx="640080" cy="109728"/>
           </a:xfrm>
           <a:prstGeom prst="roundRect">
@@ -8080,7 +8080,7 @@
         </p:nvSpPr>
         <p:spPr>
           <a:xfrm>
-            <a:off x="8938443" y="4148103"/>
+            <a:off x="8938443" y="4180761"/>
             <a:ext cx="148498" cy="109728"/>
           </a:xfrm>
           <a:prstGeom prst="roundRect">
@@ -8123,7 +8123,7 @@
         </p:nvSpPr>
         <p:spPr>
           <a:xfrm>
-            <a:off x="8938443" y="4481205"/>
+            <a:off x="8938443" y="4513863"/>
             <a:ext cx="640080" cy="109728"/>
           </a:xfrm>
           <a:prstGeom prst="roundRect">
@@ -8166,7 +8166,7 @@
         </p:nvSpPr>
         <p:spPr>
           <a:xfrm>
-            <a:off x="8938443" y="4481205"/>
+            <a:off x="8938443" y="4513863"/>
             <a:ext cx="196184" cy="109728"/>
           </a:xfrm>
           <a:prstGeom prst="roundRect">
@@ -8209,7 +8209,7 @@
         </p:nvSpPr>
         <p:spPr>
           <a:xfrm>
-            <a:off x="8938443" y="4814307"/>
+            <a:off x="8938443" y="4846965"/>
             <a:ext cx="640080" cy="109728"/>
           </a:xfrm>
           <a:prstGeom prst="roundRect">
@@ -8252,7 +8252,7 @@
         </p:nvSpPr>
         <p:spPr>
           <a:xfrm>
-            <a:off x="8938443" y="4814307"/>
+            <a:off x="8938443" y="4846965"/>
             <a:ext cx="247198" cy="109728"/>
           </a:xfrm>
           <a:prstGeom prst="roundRect">
@@ -8295,7 +8295,7 @@
         </p:nvSpPr>
         <p:spPr>
           <a:xfrm>
-            <a:off x="8938443" y="5147409"/>
+            <a:off x="8938443" y="5180067"/>
             <a:ext cx="640080" cy="109728"/>
           </a:xfrm>
           <a:prstGeom prst="roundRect">
@@ -8338,7 +8338,7 @@
         </p:nvSpPr>
         <p:spPr>
           <a:xfrm>
-            <a:off x="8938443" y="5147409"/>
+            <a:off x="8938443" y="5180067"/>
             <a:ext cx="153299" cy="109728"/>
           </a:xfrm>
           <a:prstGeom prst="roundRect">
@@ -8381,7 +8381,7 @@
         </p:nvSpPr>
         <p:spPr>
           <a:xfrm>
-            <a:off x="8938443" y="5480511"/>
+            <a:off x="8938443" y="5513169"/>
             <a:ext cx="640080" cy="109728"/>
           </a:xfrm>
           <a:prstGeom prst="roundRect">
@@ -8424,7 +8424,7 @@
         </p:nvSpPr>
         <p:spPr>
           <a:xfrm>
-            <a:off x="8938443" y="5480511"/>
+            <a:off x="8938443" y="5513169"/>
             <a:ext cx="197272" cy="109728"/>
           </a:xfrm>
           <a:prstGeom prst="roundRect">
@@ -8467,7 +8467,7 @@
         </p:nvSpPr>
         <p:spPr>
           <a:xfrm>
-            <a:off x="8938443" y="5813619"/>
+            <a:off x="8938443" y="5846277"/>
             <a:ext cx="640080" cy="109728"/>
           </a:xfrm>
           <a:prstGeom prst="roundRect">
@@ -8510,7 +8510,7 @@
         </p:nvSpPr>
         <p:spPr>
           <a:xfrm>
-            <a:off x="8938443" y="5813619"/>
+            <a:off x="8938443" y="5846277"/>
             <a:ext cx="274722" cy="109728"/>
           </a:xfrm>
           <a:prstGeom prst="roundRect">
@@ -8720,7 +8720,7 @@
         <p:spPr>
           <a:xfrm>
             <a:off x="-274320" y="1005840"/>
-            <a:ext cx="10241280" cy="5303520"/>
+            <a:ext cx="10241280" cy="5086350"/>
           </a:xfrm>
           <a:prstGeom prst="roundRect">
             <a:avLst/>
@@ -8766,7 +8766,7 @@
         </p:nvGraphicFramePr>
         <p:xfrm>
           <a:off x="91440" y="1371600"/>
-          <a:ext cx="9532803" cy="4663440"/>
+          <a:ext cx="9532803" cy="4446270"/>
         </p:xfrm>
         <a:graphic>
           <a:graphicData uri="http://schemas.openxmlformats.org/drawingml/2006/table">
@@ -8783,13 +8783,13 @@
                 <a:gridCol w="1088502"/>
                 <a:gridCol w="1691640"/>
               </a:tblGrid>
-              <a:tr h="582930">
-                <a:tc>
-                  <a:txBody>
-                    <a:bodyPr wrap="none"/>
-                    <a:lstStyle/>
-                    <a:p>
-                      <a:pPr algn="ctr">
+              <a:tr h="365760">
+                <a:tc>
+                  <a:txBody>
+                    <a:bodyPr wrap="none"/>
+                    <a:lstStyle/>
+                    <a:p>
+                      <a:pPr algn="l">
                         <a:defRPr b="1" sz="1600">
                           <a:solidFill>
                             <a:srgbClr val="FFFFFF"/>
@@ -8812,7 +8812,7 @@
                     <a:bodyPr wrap="none"/>
                     <a:lstStyle/>
                     <a:p>
-                      <a:pPr algn="ctr">
+                      <a:pPr algn="l">
                         <a:defRPr b="1" sz="1600">
                           <a:solidFill>
                             <a:srgbClr val="FFFFFF"/>
@@ -8835,7 +8835,7 @@
                     <a:bodyPr wrap="none"/>
                     <a:lstStyle/>
                     <a:p>
-                      <a:pPr algn="ctr">
+                      <a:pPr algn="l">
                         <a:defRPr b="1" sz="1600">
                           <a:solidFill>
                             <a:srgbClr val="FFFFFF"/>
@@ -8858,7 +8858,7 @@
                     <a:bodyPr wrap="none"/>
                     <a:lstStyle/>
                     <a:p>
-                      <a:pPr algn="ctr">
+                      <a:pPr algn="l">
                         <a:defRPr b="1" sz="1600">
                           <a:solidFill>
                             <a:srgbClr val="FFFFFF"/>
@@ -8881,7 +8881,7 @@
                     <a:bodyPr wrap="none"/>
                     <a:lstStyle/>
                     <a:p>
-                      <a:pPr algn="ctr">
+                      <a:pPr algn="l">
                         <a:defRPr b="1" sz="1600">
                           <a:solidFill>
                             <a:srgbClr val="FFFFFF"/>
@@ -8904,7 +8904,7 @@
                     <a:bodyPr wrap="none"/>
                     <a:lstStyle/>
                     <a:p>
-                      <a:pPr algn="ctr">
+                      <a:pPr algn="l">
                         <a:defRPr b="1" sz="1600">
                           <a:solidFill>
                             <a:srgbClr val="FFFFFF"/>
@@ -8927,7 +8927,7 @@
                     <a:bodyPr wrap="none"/>
                     <a:lstStyle/>
                     <a:p>
-                      <a:pPr algn="ctr">
+                      <a:pPr algn="l">
                         <a:defRPr b="1" sz="1600">
                           <a:solidFill>
                             <a:srgbClr val="FFFFFF"/>
@@ -10099,7 +10099,7 @@
         </p:nvSpPr>
         <p:spPr>
           <a:xfrm>
-            <a:off x="8938443" y="2191131"/>
+            <a:off x="8938443" y="1973961"/>
             <a:ext cx="640080" cy="109728"/>
           </a:xfrm>
           <a:prstGeom prst="roundRect">
@@ -10142,7 +10142,7 @@
         </p:nvSpPr>
         <p:spPr>
           <a:xfrm>
-            <a:off x="8938443" y="2191131"/>
+            <a:off x="8938443" y="1973961"/>
             <a:ext cx="191831" cy="109728"/>
           </a:xfrm>
           <a:prstGeom prst="roundRect">
@@ -10185,7 +10185,7 @@
         </p:nvSpPr>
         <p:spPr>
           <a:xfrm>
-            <a:off x="8938443" y="2774061"/>
+            <a:off x="8938443" y="2556891"/>
             <a:ext cx="640080" cy="109728"/>
           </a:xfrm>
           <a:prstGeom prst="roundRect">
@@ -10228,7 +10228,7 @@
         </p:nvSpPr>
         <p:spPr>
           <a:xfrm>
-            <a:off x="8938443" y="2774061"/>
+            <a:off x="8938443" y="2556891"/>
             <a:ext cx="214682" cy="109728"/>
           </a:xfrm>
           <a:prstGeom prst="roundRect">
@@ -10271,7 +10271,7 @@
         </p:nvSpPr>
         <p:spPr>
           <a:xfrm>
-            <a:off x="8938443" y="3356991"/>
+            <a:off x="8938443" y="3139821"/>
             <a:ext cx="640080" cy="109728"/>
           </a:xfrm>
           <a:prstGeom prst="roundRect">
@@ -10314,7 +10314,7 @@
         </p:nvSpPr>
         <p:spPr>
           <a:xfrm>
-            <a:off x="8938443" y="3356991"/>
+            <a:off x="8938443" y="3139821"/>
             <a:ext cx="250911" cy="109728"/>
           </a:xfrm>
           <a:prstGeom prst="roundRect">
@@ -10357,7 +10357,7 @@
         </p:nvSpPr>
         <p:spPr>
           <a:xfrm>
-            <a:off x="8938443" y="3939921"/>
+            <a:off x="8938443" y="3722751"/>
             <a:ext cx="640080" cy="109728"/>
           </a:xfrm>
           <a:prstGeom prst="roundRect">
@@ -10400,7 +10400,7 @@
         </p:nvSpPr>
         <p:spPr>
           <a:xfrm>
-            <a:off x="8938443" y="3939921"/>
+            <a:off x="8938443" y="3722751"/>
             <a:ext cx="196440" cy="109728"/>
           </a:xfrm>
           <a:prstGeom prst="roundRect">
@@ -10443,7 +10443,7 @@
         </p:nvSpPr>
         <p:spPr>
           <a:xfrm>
-            <a:off x="8938443" y="4522851"/>
+            <a:off x="8938443" y="4305681"/>
             <a:ext cx="640080" cy="109728"/>
           </a:xfrm>
           <a:prstGeom prst="roundRect">
@@ -10486,7 +10486,7 @@
         </p:nvSpPr>
         <p:spPr>
           <a:xfrm>
-            <a:off x="8938443" y="4522851"/>
+            <a:off x="8938443" y="4305681"/>
             <a:ext cx="216027" cy="109728"/>
           </a:xfrm>
           <a:prstGeom prst="roundRect">
@@ -10529,7 +10529,7 @@
         </p:nvSpPr>
         <p:spPr>
           <a:xfrm>
-            <a:off x="8938443" y="5105781"/>
+            <a:off x="8938443" y="4888611"/>
             <a:ext cx="640080" cy="109728"/>
           </a:xfrm>
           <a:prstGeom prst="roundRect">
@@ -10572,7 +10572,7 @@
         </p:nvSpPr>
         <p:spPr>
           <a:xfrm>
-            <a:off x="8938443" y="5105781"/>
+            <a:off x="8938443" y="4888611"/>
             <a:ext cx="294500" cy="109728"/>
           </a:xfrm>
           <a:prstGeom prst="roundRect">
@@ -10615,7 +10615,7 @@
         </p:nvSpPr>
         <p:spPr>
           <a:xfrm>
-            <a:off x="8938443" y="5688711"/>
+            <a:off x="8938443" y="5471541"/>
             <a:ext cx="640080" cy="109728"/>
           </a:xfrm>
           <a:prstGeom prst="roundRect">
@@ -10658,7 +10658,7 @@
         </p:nvSpPr>
         <p:spPr>
           <a:xfrm>
-            <a:off x="8938443" y="5688711"/>
+            <a:off x="8938443" y="5471541"/>
             <a:ext cx="215706" cy="109728"/>
           </a:xfrm>
           <a:prstGeom prst="roundRect">
@@ -10868,7 +10868,7 @@
         <p:spPr>
           <a:xfrm>
             <a:off x="-274320" y="1005840"/>
-            <a:ext cx="10241280" cy="5303520"/>
+            <a:ext cx="10241280" cy="5151120"/>
           </a:xfrm>
           <a:prstGeom prst="roundRect">
             <a:avLst/>
@@ -10914,7 +10914,7 @@
         </p:nvGraphicFramePr>
         <p:xfrm>
           <a:off x="91440" y="1371600"/>
-          <a:ext cx="9532803" cy="4663440"/>
+          <a:ext cx="9532803" cy="4511040"/>
         </p:xfrm>
         <a:graphic>
           <a:graphicData uri="http://schemas.openxmlformats.org/drawingml/2006/table">
@@ -10931,13 +10931,13 @@
                 <a:gridCol w="1088502"/>
                 <a:gridCol w="1691640"/>
               </a:tblGrid>
-              <a:tr h="518160">
-                <a:tc>
-                  <a:txBody>
-                    <a:bodyPr wrap="none"/>
-                    <a:lstStyle/>
-                    <a:p>
-                      <a:pPr algn="ctr">
+              <a:tr h="365760">
+                <a:tc>
+                  <a:txBody>
+                    <a:bodyPr wrap="none"/>
+                    <a:lstStyle/>
+                    <a:p>
+                      <a:pPr algn="l">
                         <a:defRPr b="1" sz="1600">
                           <a:solidFill>
                             <a:srgbClr val="FFFFFF"/>
@@ -10960,7 +10960,7 @@
                     <a:bodyPr wrap="none"/>
                     <a:lstStyle/>
                     <a:p>
-                      <a:pPr algn="ctr">
+                      <a:pPr algn="l">
                         <a:defRPr b="1" sz="1600">
                           <a:solidFill>
                             <a:srgbClr val="FFFFFF"/>
@@ -10983,7 +10983,7 @@
                     <a:bodyPr wrap="none"/>
                     <a:lstStyle/>
                     <a:p>
-                      <a:pPr algn="ctr">
+                      <a:pPr algn="l">
                         <a:defRPr b="1" sz="1600">
                           <a:solidFill>
                             <a:srgbClr val="FFFFFF"/>
@@ -11006,7 +11006,7 @@
                     <a:bodyPr wrap="none"/>
                     <a:lstStyle/>
                     <a:p>
-                      <a:pPr algn="ctr">
+                      <a:pPr algn="l">
                         <a:defRPr b="1" sz="1600">
                           <a:solidFill>
                             <a:srgbClr val="FFFFFF"/>
@@ -11029,7 +11029,7 @@
                     <a:bodyPr wrap="none"/>
                     <a:lstStyle/>
                     <a:p>
-                      <a:pPr algn="ctr">
+                      <a:pPr algn="l">
                         <a:defRPr b="1" sz="1600">
                           <a:solidFill>
                             <a:srgbClr val="FFFFFF"/>
@@ -11052,7 +11052,7 @@
                     <a:bodyPr wrap="none"/>
                     <a:lstStyle/>
                     <a:p>
-                      <a:pPr algn="ctr">
+                      <a:pPr algn="l">
                         <a:defRPr b="1" sz="1600">
                           <a:solidFill>
                             <a:srgbClr val="FFFFFF"/>
@@ -11075,7 +11075,7 @@
                     <a:bodyPr wrap="none"/>
                     <a:lstStyle/>
                     <a:p>
-                      <a:pPr algn="ctr">
+                      <a:pPr algn="l">
                         <a:defRPr b="1" sz="1600">
                           <a:solidFill>
                             <a:srgbClr val="FFFFFF"/>
@@ -12410,7 +12410,7 @@
         </p:nvSpPr>
         <p:spPr>
           <a:xfrm>
-            <a:off x="8938443" y="2093976"/>
+            <a:off x="8938443" y="1941576"/>
             <a:ext cx="640080" cy="109728"/>
           </a:xfrm>
           <a:prstGeom prst="roundRect">
@@ -12453,7 +12453,7 @@
         </p:nvSpPr>
         <p:spPr>
           <a:xfrm>
-            <a:off x="8938443" y="2093976"/>
+            <a:off x="8938443" y="1941576"/>
             <a:ext cx="195480" cy="109728"/>
           </a:xfrm>
           <a:prstGeom prst="roundRect">
@@ -12496,7 +12496,7 @@
         </p:nvSpPr>
         <p:spPr>
           <a:xfrm>
-            <a:off x="8938443" y="2612136"/>
+            <a:off x="8938443" y="2459736"/>
             <a:ext cx="640080" cy="109728"/>
           </a:xfrm>
           <a:prstGeom prst="roundRect">
@@ -12539,7 +12539,7 @@
         </p:nvSpPr>
         <p:spPr>
           <a:xfrm>
-            <a:off x="8938443" y="2612136"/>
+            <a:off x="8938443" y="2459736"/>
             <a:ext cx="186199" cy="109728"/>
           </a:xfrm>
           <a:prstGeom prst="roundRect">
@@ -12582,7 +12582,7 @@
         </p:nvSpPr>
         <p:spPr>
           <a:xfrm>
-            <a:off x="8938443" y="3130296"/>
+            <a:off x="8938443" y="2977896"/>
             <a:ext cx="640080" cy="109728"/>
           </a:xfrm>
           <a:prstGeom prst="roundRect">
@@ -12625,7 +12625,7 @@
         </p:nvSpPr>
         <p:spPr>
           <a:xfrm>
-            <a:off x="8938443" y="3130296"/>
+            <a:off x="8938443" y="2977896"/>
             <a:ext cx="191639" cy="109728"/>
           </a:xfrm>
           <a:prstGeom prst="roundRect">
@@ -12668,7 +12668,7 @@
         </p:nvSpPr>
         <p:spPr>
           <a:xfrm>
-            <a:off x="8938443" y="3648456"/>
+            <a:off x="8938443" y="3496056"/>
             <a:ext cx="640080" cy="109728"/>
           </a:xfrm>
           <a:prstGeom prst="roundRect">
@@ -12711,7 +12711,7 @@
         </p:nvSpPr>
         <p:spPr>
           <a:xfrm>
-            <a:off x="8938443" y="3648456"/>
+            <a:off x="8938443" y="3496056"/>
             <a:ext cx="213210" cy="109728"/>
           </a:xfrm>
           <a:prstGeom prst="roundRect">
@@ -12754,7 +12754,7 @@
         </p:nvSpPr>
         <p:spPr>
           <a:xfrm>
-            <a:off x="8938443" y="4166616"/>
+            <a:off x="8938443" y="4014216"/>
             <a:ext cx="640080" cy="109728"/>
           </a:xfrm>
           <a:prstGeom prst="roundRect">
@@ -12797,7 +12797,7 @@
         </p:nvSpPr>
         <p:spPr>
           <a:xfrm>
-            <a:off x="8938443" y="4166616"/>
+            <a:off x="8938443" y="4014216"/>
             <a:ext cx="240478" cy="109728"/>
           </a:xfrm>
           <a:prstGeom prst="roundRect">
@@ -12840,7 +12840,7 @@
         </p:nvSpPr>
         <p:spPr>
           <a:xfrm>
-            <a:off x="8938443" y="4684776"/>
+            <a:off x="8938443" y="4532376"/>
             <a:ext cx="640080" cy="109728"/>
           </a:xfrm>
           <a:prstGeom prst="roundRect">
@@ -12883,7 +12883,7 @@
         </p:nvSpPr>
         <p:spPr>
           <a:xfrm>
-            <a:off x="8938443" y="4684776"/>
+            <a:off x="8938443" y="4532376"/>
             <a:ext cx="258656" cy="109728"/>
           </a:xfrm>
           <a:prstGeom prst="roundRect">
@@ -12926,7 +12926,7 @@
         </p:nvSpPr>
         <p:spPr>
           <a:xfrm>
-            <a:off x="8938443" y="5202936"/>
+            <a:off x="8938443" y="5050536"/>
             <a:ext cx="640080" cy="109728"/>
           </a:xfrm>
           <a:prstGeom prst="roundRect">
@@ -12969,7 +12969,7 @@
         </p:nvSpPr>
         <p:spPr>
           <a:xfrm>
-            <a:off x="8938443" y="5202936"/>
+            <a:off x="8938443" y="5050536"/>
             <a:ext cx="297765" cy="109728"/>
           </a:xfrm>
           <a:prstGeom prst="roundRect">
@@ -13012,7 +13012,7 @@
         </p:nvSpPr>
         <p:spPr>
           <a:xfrm>
-            <a:off x="8938443" y="5721096"/>
+            <a:off x="8938443" y="5568696"/>
             <a:ext cx="640080" cy="109728"/>
           </a:xfrm>
           <a:prstGeom prst="roundRect">
@@ -13055,7 +13055,7 @@
         </p:nvSpPr>
         <p:spPr>
           <a:xfrm>
-            <a:off x="8938443" y="5721096"/>
+            <a:off x="8938443" y="5568696"/>
             <a:ext cx="220699" cy="109728"/>
           </a:xfrm>
           <a:prstGeom prst="roundRect">
@@ -13265,7 +13265,7 @@
         <p:spPr>
           <a:xfrm>
             <a:off x="-274320" y="1005840"/>
-            <a:ext cx="10241280" cy="5303520"/>
+            <a:ext cx="10241280" cy="4114800"/>
           </a:xfrm>
           <a:prstGeom prst="roundRect">
             <a:avLst/>
@@ -13311,7 +13311,7 @@
         </p:nvGraphicFramePr>
         <p:xfrm>
           <a:off x="91440" y="1371600"/>
-          <a:ext cx="9532803" cy="4663440"/>
+          <a:ext cx="9532803" cy="3474720"/>
         </p:xfrm>
         <a:graphic>
           <a:graphicData uri="http://schemas.openxmlformats.org/drawingml/2006/table">
@@ -13328,13 +13328,13 @@
                 <a:gridCol w="1088502"/>
                 <a:gridCol w="1691640"/>
               </a:tblGrid>
-              <a:tr h="1554480">
-                <a:tc>
-                  <a:txBody>
-                    <a:bodyPr wrap="none"/>
-                    <a:lstStyle/>
-                    <a:p>
-                      <a:pPr algn="ctr">
+              <a:tr h="365760">
+                <a:tc>
+                  <a:txBody>
+                    <a:bodyPr wrap="none"/>
+                    <a:lstStyle/>
+                    <a:p>
+                      <a:pPr algn="l">
                         <a:defRPr b="1" sz="1600">
                           <a:solidFill>
                             <a:srgbClr val="FFFFFF"/>
@@ -13357,7 +13357,7 @@
                     <a:bodyPr wrap="none"/>
                     <a:lstStyle/>
                     <a:p>
-                      <a:pPr algn="ctr">
+                      <a:pPr algn="l">
                         <a:defRPr b="1" sz="1600">
                           <a:solidFill>
                             <a:srgbClr val="FFFFFF"/>
@@ -13380,7 +13380,7 @@
                     <a:bodyPr wrap="none"/>
                     <a:lstStyle/>
                     <a:p>
-                      <a:pPr algn="ctr">
+                      <a:pPr algn="l">
                         <a:defRPr b="1" sz="1600">
                           <a:solidFill>
                             <a:srgbClr val="FFFFFF"/>
@@ -13403,7 +13403,7 @@
                     <a:bodyPr wrap="none"/>
                     <a:lstStyle/>
                     <a:p>
-                      <a:pPr algn="ctr">
+                      <a:pPr algn="l">
                         <a:defRPr b="1" sz="1600">
                           <a:solidFill>
                             <a:srgbClr val="FFFFFF"/>
@@ -13426,7 +13426,7 @@
                     <a:bodyPr wrap="none"/>
                     <a:lstStyle/>
                     <a:p>
-                      <a:pPr algn="ctr">
+                      <a:pPr algn="l">
                         <a:defRPr b="1" sz="1600">
                           <a:solidFill>
                             <a:srgbClr val="FFFFFF"/>
@@ -13449,7 +13449,7 @@
                     <a:bodyPr wrap="none"/>
                     <a:lstStyle/>
                     <a:p>
-                      <a:pPr algn="ctr">
+                      <a:pPr algn="l">
                         <a:defRPr b="1" sz="1600">
                           <a:solidFill>
                             <a:srgbClr val="FFFFFF"/>
@@ -13472,7 +13472,7 @@
                     <a:bodyPr wrap="none"/>
                     <a:lstStyle/>
                     <a:p>
-                      <a:pPr algn="ctr">
+                      <a:pPr algn="l">
                         <a:defRPr b="1" sz="1600">
                           <a:solidFill>
                             <a:srgbClr val="FFFFFF"/>
@@ -13829,7 +13829,7 @@
         </p:nvSpPr>
         <p:spPr>
           <a:xfrm>
-            <a:off x="8938443" y="3648456"/>
+            <a:off x="8938443" y="2459736"/>
             <a:ext cx="640080" cy="109728"/>
           </a:xfrm>
           <a:prstGeom prst="roundRect">
@@ -13872,7 +13872,7 @@
         </p:nvSpPr>
         <p:spPr>
           <a:xfrm>
-            <a:off x="8938443" y="3648456"/>
+            <a:off x="8938443" y="2459736"/>
             <a:ext cx="223387" cy="109728"/>
           </a:xfrm>
           <a:prstGeom prst="roundRect">
@@ -13915,7 +13915,7 @@
         </p:nvSpPr>
         <p:spPr>
           <a:xfrm>
-            <a:off x="8938443" y="5202936"/>
+            <a:off x="8938443" y="4014216"/>
             <a:ext cx="640080" cy="109728"/>
           </a:xfrm>
           <a:prstGeom prst="roundRect">
@@ -13958,7 +13958,7 @@
         </p:nvSpPr>
         <p:spPr>
           <a:xfrm>
-            <a:off x="8938443" y="5202936"/>
+            <a:off x="8938443" y="4014216"/>
             <a:ext cx="210906" cy="109728"/>
           </a:xfrm>
           <a:prstGeom prst="roundRect">
@@ -14369,7 +14369,7 @@
         <p:spPr>
           <a:xfrm>
             <a:off x="-274320" y="1005840"/>
-            <a:ext cx="10241280" cy="5303520"/>
+            <a:ext cx="10241280" cy="5336178"/>
           </a:xfrm>
           <a:prstGeom prst="roundRect">
             <a:avLst/>
@@ -14415,7 +14415,7 @@
         </p:nvGraphicFramePr>
         <p:xfrm>
           <a:off x="91440" y="1371600"/>
-          <a:ext cx="9532803" cy="4663440"/>
+          <a:ext cx="9532803" cy="4696098"/>
         </p:xfrm>
         <a:graphic>
           <a:graphicData uri="http://schemas.openxmlformats.org/drawingml/2006/table">
@@ -14432,13 +14432,13 @@
                 <a:gridCol w="1088502"/>
                 <a:gridCol w="1691640"/>
               </a:tblGrid>
-              <a:tr h="333102">
-                <a:tc>
-                  <a:txBody>
-                    <a:bodyPr wrap="none"/>
-                    <a:lstStyle/>
-                    <a:p>
-                      <a:pPr algn="ctr">
+              <a:tr h="365760">
+                <a:tc>
+                  <a:txBody>
+                    <a:bodyPr wrap="none"/>
+                    <a:lstStyle/>
+                    <a:p>
+                      <a:pPr algn="l">
                         <a:defRPr b="1" sz="1600">
                           <a:solidFill>
                             <a:srgbClr val="FFFFFF"/>
@@ -14461,7 +14461,7 @@
                     <a:bodyPr wrap="none"/>
                     <a:lstStyle/>
                     <a:p>
-                      <a:pPr algn="ctr">
+                      <a:pPr algn="l">
                         <a:defRPr b="1" sz="1600">
                           <a:solidFill>
                             <a:srgbClr val="FFFFFF"/>
@@ -14484,7 +14484,7 @@
                     <a:bodyPr wrap="none"/>
                     <a:lstStyle/>
                     <a:p>
-                      <a:pPr algn="ctr">
+                      <a:pPr algn="l">
                         <a:defRPr b="1" sz="1600">
                           <a:solidFill>
                             <a:srgbClr val="FFFFFF"/>
@@ -14507,7 +14507,7 @@
                     <a:bodyPr wrap="none"/>
                     <a:lstStyle/>
                     <a:p>
-                      <a:pPr algn="ctr">
+                      <a:pPr algn="l">
                         <a:defRPr b="1" sz="1600">
                           <a:solidFill>
                             <a:srgbClr val="FFFFFF"/>
@@ -14530,7 +14530,7 @@
                     <a:bodyPr wrap="none"/>
                     <a:lstStyle/>
                     <a:p>
-                      <a:pPr algn="ctr">
+                      <a:pPr algn="l">
                         <a:defRPr b="1" sz="1600">
                           <a:solidFill>
                             <a:srgbClr val="FFFFFF"/>
@@ -14553,7 +14553,7 @@
                     <a:bodyPr wrap="none"/>
                     <a:lstStyle/>
                     <a:p>
-                      <a:pPr algn="ctr">
+                      <a:pPr algn="l">
                         <a:defRPr b="1" sz="1600">
                           <a:solidFill>
                             <a:srgbClr val="FFFFFF"/>
@@ -14576,7 +14576,7 @@
                     <a:bodyPr wrap="none"/>
                     <a:lstStyle/>
                     <a:p>
-                      <a:pPr algn="ctr">
+                      <a:pPr algn="l">
                         <a:defRPr b="1" sz="1600">
                           <a:solidFill>
                             <a:srgbClr val="FFFFFF"/>
@@ -16726,7 +16726,7 @@
         </p:nvSpPr>
         <p:spPr>
           <a:xfrm>
-            <a:off x="8938443" y="1816389"/>
+            <a:off x="8938443" y="1849047"/>
             <a:ext cx="640080" cy="109728"/>
           </a:xfrm>
           <a:prstGeom prst="roundRect">
@@ -16769,7 +16769,7 @@
         </p:nvSpPr>
         <p:spPr>
           <a:xfrm>
-            <a:off x="8938443" y="1816389"/>
+            <a:off x="8938443" y="1849047"/>
             <a:ext cx="261984" cy="109728"/>
           </a:xfrm>
           <a:prstGeom prst="roundRect">
@@ -16812,7 +16812,7 @@
         </p:nvSpPr>
         <p:spPr>
           <a:xfrm>
-            <a:off x="8938443" y="2149491"/>
+            <a:off x="8938443" y="2182149"/>
             <a:ext cx="640080" cy="109728"/>
           </a:xfrm>
           <a:prstGeom prst="roundRect">
@@ -16855,7 +16855,7 @@
         </p:nvSpPr>
         <p:spPr>
           <a:xfrm>
-            <a:off x="8938443" y="2149491"/>
+            <a:off x="8938443" y="2182149"/>
             <a:ext cx="199832" cy="109728"/>
           </a:xfrm>
           <a:prstGeom prst="roundRect">
@@ -16898,7 +16898,7 @@
         </p:nvSpPr>
         <p:spPr>
           <a:xfrm>
-            <a:off x="8938443" y="2482593"/>
+            <a:off x="8938443" y="2515251"/>
             <a:ext cx="640080" cy="109728"/>
           </a:xfrm>
           <a:prstGeom prst="roundRect">
@@ -16941,7 +16941,7 @@
         </p:nvSpPr>
         <p:spPr>
           <a:xfrm>
-            <a:off x="8938443" y="2482593"/>
+            <a:off x="8938443" y="2515251"/>
             <a:ext cx="281443" cy="109728"/>
           </a:xfrm>
           <a:prstGeom prst="roundRect">
@@ -16984,7 +16984,7 @@
         </p:nvSpPr>
         <p:spPr>
           <a:xfrm>
-            <a:off x="8938443" y="2815695"/>
+            <a:off x="8938443" y="2848353"/>
             <a:ext cx="640080" cy="109728"/>
           </a:xfrm>
           <a:prstGeom prst="roundRect">
@@ -17027,7 +17027,7 @@
         </p:nvSpPr>
         <p:spPr>
           <a:xfrm>
-            <a:off x="8938443" y="2815695"/>
+            <a:off x="8938443" y="2848353"/>
             <a:ext cx="162644" cy="109728"/>
           </a:xfrm>
           <a:prstGeom prst="roundRect">
@@ -17070,7 +17070,7 @@
         </p:nvSpPr>
         <p:spPr>
           <a:xfrm>
-            <a:off x="8938443" y="3148797"/>
+            <a:off x="8938443" y="3181455"/>
             <a:ext cx="640080" cy="109728"/>
           </a:xfrm>
           <a:prstGeom prst="roundRect">
@@ -17113,7 +17113,7 @@
         </p:nvSpPr>
         <p:spPr>
           <a:xfrm>
-            <a:off x="8938443" y="3148797"/>
+            <a:off x="8938443" y="3181455"/>
             <a:ext cx="227804" cy="109728"/>
           </a:xfrm>
           <a:prstGeom prst="roundRect">
@@ -17156,7 +17156,7 @@
         </p:nvSpPr>
         <p:spPr>
           <a:xfrm>
-            <a:off x="8938443" y="3481899"/>
+            <a:off x="8938443" y="3514557"/>
             <a:ext cx="640080" cy="109728"/>
           </a:xfrm>
           <a:prstGeom prst="roundRect">
@@ -17199,7 +17199,7 @@
         </p:nvSpPr>
         <p:spPr>
           <a:xfrm>
-            <a:off x="8938443" y="3481899"/>
+            <a:off x="8938443" y="3514557"/>
             <a:ext cx="158483" cy="109728"/>
           </a:xfrm>
           <a:prstGeom prst="roundRect">
@@ -17242,7 +17242,7 @@
         </p:nvSpPr>
         <p:spPr>
           <a:xfrm>
-            <a:off x="8938443" y="3815001"/>
+            <a:off x="8938443" y="3847659"/>
             <a:ext cx="640080" cy="109728"/>
           </a:xfrm>
           <a:prstGeom prst="roundRect">
@@ -17285,7 +17285,7 @@
         </p:nvSpPr>
         <p:spPr>
           <a:xfrm>
-            <a:off x="8938443" y="3815001"/>
+            <a:off x="8938443" y="3847659"/>
             <a:ext cx="294756" cy="109728"/>
           </a:xfrm>
           <a:prstGeom prst="roundRect">
@@ -17328,7 +17328,7 @@
         </p:nvSpPr>
         <p:spPr>
           <a:xfrm>
-            <a:off x="8938443" y="4148103"/>
+            <a:off x="8938443" y="4180761"/>
             <a:ext cx="640080" cy="109728"/>
           </a:xfrm>
           <a:prstGeom prst="roundRect">
@@ -17371,7 +17371,7 @@
         </p:nvSpPr>
         <p:spPr>
           <a:xfrm>
-            <a:off x="8938443" y="4148103"/>
+            <a:off x="8938443" y="4180761"/>
             <a:ext cx="284451" cy="109728"/>
           </a:xfrm>
           <a:prstGeom prst="roundRect">
@@ -17414,7 +17414,7 @@
         </p:nvSpPr>
         <p:spPr>
           <a:xfrm>
-            <a:off x="8938443" y="4481205"/>
+            <a:off x="8938443" y="4513863"/>
             <a:ext cx="640080" cy="109728"/>
           </a:xfrm>
           <a:prstGeom prst="roundRect">
@@ -17457,7 +17457,7 @@
         </p:nvSpPr>
         <p:spPr>
           <a:xfrm>
-            <a:off x="8938443" y="4481205"/>
+            <a:off x="8938443" y="4513863"/>
             <a:ext cx="204825" cy="109728"/>
           </a:xfrm>
           <a:prstGeom prst="roundRect">
@@ -17500,7 +17500,7 @@
         </p:nvSpPr>
         <p:spPr>
           <a:xfrm>
-            <a:off x="8938443" y="4814307"/>
+            <a:off x="8938443" y="4846965"/>
             <a:ext cx="640080" cy="109728"/>
           </a:xfrm>
           <a:prstGeom prst="roundRect">
@@ -17543,7 +17543,7 @@
         </p:nvSpPr>
         <p:spPr>
           <a:xfrm>
-            <a:off x="8938443" y="4814307"/>
+            <a:off x="8938443" y="4846965"/>
             <a:ext cx="96012" cy="109728"/>
           </a:xfrm>
           <a:prstGeom prst="roundRect">
@@ -17586,7 +17586,7 @@
         </p:nvSpPr>
         <p:spPr>
           <a:xfrm>
-            <a:off x="8938443" y="5147409"/>
+            <a:off x="8938443" y="5180067"/>
             <a:ext cx="640080" cy="109728"/>
           </a:xfrm>
           <a:prstGeom prst="roundRect">
@@ -17629,7 +17629,7 @@
         </p:nvSpPr>
         <p:spPr>
           <a:xfrm>
-            <a:off x="8938443" y="5147409"/>
+            <a:off x="8938443" y="5180067"/>
             <a:ext cx="182870" cy="109728"/>
           </a:xfrm>
           <a:prstGeom prst="roundRect">
@@ -17672,7 +17672,7 @@
         </p:nvSpPr>
         <p:spPr>
           <a:xfrm>
-            <a:off x="8938443" y="5480511"/>
+            <a:off x="8938443" y="5513169"/>
             <a:ext cx="640080" cy="109728"/>
           </a:xfrm>
           <a:prstGeom prst="roundRect">
@@ -17715,7 +17715,7 @@
         </p:nvSpPr>
         <p:spPr>
           <a:xfrm>
-            <a:off x="8938443" y="5480511"/>
+            <a:off x="8938443" y="5513169"/>
             <a:ext cx="203673" cy="109728"/>
           </a:xfrm>
           <a:prstGeom prst="roundRect">
@@ -17758,7 +17758,7 @@
         </p:nvSpPr>
         <p:spPr>
           <a:xfrm>
-            <a:off x="8938443" y="5813619"/>
+            <a:off x="8938443" y="5846277"/>
             <a:ext cx="640080" cy="109728"/>
           </a:xfrm>
           <a:prstGeom prst="roundRect">
@@ -17801,7 +17801,7 @@
         </p:nvSpPr>
         <p:spPr>
           <a:xfrm>
-            <a:off x="8938443" y="5813619"/>
+            <a:off x="8938443" y="5846277"/>
             <a:ext cx="145490" cy="109728"/>
           </a:xfrm>
           <a:prstGeom prst="roundRect">
@@ -18011,7 +18011,7 @@
         <p:spPr>
           <a:xfrm>
             <a:off x="-274320" y="1005840"/>
-            <a:ext cx="10241280" cy="5303520"/>
+            <a:ext cx="10241280" cy="5151120"/>
           </a:xfrm>
           <a:prstGeom prst="roundRect">
             <a:avLst/>
@@ -18057,7 +18057,7 @@
         </p:nvGraphicFramePr>
         <p:xfrm>
           <a:off x="91440" y="1371600"/>
-          <a:ext cx="9532803" cy="4663440"/>
+          <a:ext cx="9532803" cy="4511040"/>
         </p:xfrm>
         <a:graphic>
           <a:graphicData uri="http://schemas.openxmlformats.org/drawingml/2006/table">
@@ -18074,13 +18074,13 @@
                 <a:gridCol w="1088502"/>
                 <a:gridCol w="1691640"/>
               </a:tblGrid>
-              <a:tr h="518160">
-                <a:tc>
-                  <a:txBody>
-                    <a:bodyPr wrap="none"/>
-                    <a:lstStyle/>
-                    <a:p>
-                      <a:pPr algn="ctr">
+              <a:tr h="365760">
+                <a:tc>
+                  <a:txBody>
+                    <a:bodyPr wrap="none"/>
+                    <a:lstStyle/>
+                    <a:p>
+                      <a:pPr algn="l">
                         <a:defRPr b="1" sz="1600">
                           <a:solidFill>
                             <a:srgbClr val="FFFFFF"/>
@@ -18103,7 +18103,7 @@
                     <a:bodyPr wrap="none"/>
                     <a:lstStyle/>
                     <a:p>
-                      <a:pPr algn="ctr">
+                      <a:pPr algn="l">
                         <a:defRPr b="1" sz="1600">
                           <a:solidFill>
                             <a:srgbClr val="FFFFFF"/>
@@ -18126,7 +18126,7 @@
                     <a:bodyPr wrap="none"/>
                     <a:lstStyle/>
                     <a:p>
-                      <a:pPr algn="ctr">
+                      <a:pPr algn="l">
                         <a:defRPr b="1" sz="1600">
                           <a:solidFill>
                             <a:srgbClr val="FFFFFF"/>
@@ -18149,7 +18149,7 @@
                     <a:bodyPr wrap="none"/>
                     <a:lstStyle/>
                     <a:p>
-                      <a:pPr algn="ctr">
+                      <a:pPr algn="l">
                         <a:defRPr b="1" sz="1600">
                           <a:solidFill>
                             <a:srgbClr val="FFFFFF"/>
@@ -18172,7 +18172,7 @@
                     <a:bodyPr wrap="none"/>
                     <a:lstStyle/>
                     <a:p>
-                      <a:pPr algn="ctr">
+                      <a:pPr algn="l">
                         <a:defRPr b="1" sz="1600">
                           <a:solidFill>
                             <a:srgbClr val="FFFFFF"/>
@@ -18195,7 +18195,7 @@
                     <a:bodyPr wrap="none"/>
                     <a:lstStyle/>
                     <a:p>
-                      <a:pPr algn="ctr">
+                      <a:pPr algn="l">
                         <a:defRPr b="1" sz="1600">
                           <a:solidFill>
                             <a:srgbClr val="FFFFFF"/>
@@ -18218,7 +18218,7 @@
                     <a:bodyPr wrap="none"/>
                     <a:lstStyle/>
                     <a:p>
-                      <a:pPr algn="ctr">
+                      <a:pPr algn="l">
                         <a:defRPr b="1" sz="1600">
                           <a:solidFill>
                             <a:srgbClr val="FFFFFF"/>
@@ -19553,7 +19553,7 @@
         </p:nvSpPr>
         <p:spPr>
           <a:xfrm>
-            <a:off x="8938443" y="2093976"/>
+            <a:off x="8938443" y="1941576"/>
             <a:ext cx="640080" cy="109728"/>
           </a:xfrm>
           <a:prstGeom prst="roundRect">
@@ -19596,7 +19596,7 @@
         </p:nvSpPr>
         <p:spPr>
           <a:xfrm>
-            <a:off x="8938443" y="2093976"/>
+            <a:off x="8938443" y="1941576"/>
             <a:ext cx="171797" cy="109728"/>
           </a:xfrm>
           <a:prstGeom prst="roundRect">
@@ -19639,7 +19639,7 @@
         </p:nvSpPr>
         <p:spPr>
           <a:xfrm>
-            <a:off x="8938443" y="2612136"/>
+            <a:off x="8938443" y="2459736"/>
             <a:ext cx="640080" cy="109728"/>
           </a:xfrm>
           <a:prstGeom prst="roundRect">
@@ -19682,7 +19682,7 @@
         </p:nvSpPr>
         <p:spPr>
           <a:xfrm>
-            <a:off x="8938443" y="2612136"/>
+            <a:off x="8938443" y="2459736"/>
             <a:ext cx="326824" cy="109728"/>
           </a:xfrm>
           <a:prstGeom prst="roundRect">
@@ -19725,7 +19725,7 @@
         </p:nvSpPr>
         <p:spPr>
           <a:xfrm>
-            <a:off x="8938443" y="3130296"/>
+            <a:off x="8938443" y="2977896"/>
             <a:ext cx="640080" cy="109728"/>
           </a:xfrm>
           <a:prstGeom prst="roundRect">
@@ -19768,7 +19768,7 @@
         </p:nvSpPr>
         <p:spPr>
           <a:xfrm>
-            <a:off x="8938443" y="3130296"/>
+            <a:off x="8938443" y="2977896"/>
             <a:ext cx="224156" cy="109728"/>
           </a:xfrm>
           <a:prstGeom prst="roundRect">
@@ -19811,7 +19811,7 @@
         </p:nvSpPr>
         <p:spPr>
           <a:xfrm>
-            <a:off x="8938443" y="3648456"/>
+            <a:off x="8938443" y="3496056"/>
             <a:ext cx="640080" cy="109728"/>
           </a:xfrm>
           <a:prstGeom prst="roundRect">
@@ -19854,7 +19854,7 @@
         </p:nvSpPr>
         <p:spPr>
           <a:xfrm>
-            <a:off x="8938443" y="3648456"/>
+            <a:off x="8938443" y="3496056"/>
             <a:ext cx="196952" cy="109728"/>
           </a:xfrm>
           <a:prstGeom prst="roundRect">
@@ -19897,7 +19897,7 @@
         </p:nvSpPr>
         <p:spPr>
           <a:xfrm>
-            <a:off x="8938443" y="4166616"/>
+            <a:off x="8938443" y="4014216"/>
             <a:ext cx="640080" cy="109728"/>
           </a:xfrm>
           <a:prstGeom prst="roundRect">
@@ -19940,7 +19940,7 @@
         </p:nvSpPr>
         <p:spPr>
           <a:xfrm>
-            <a:off x="8938443" y="4166616"/>
+            <a:off x="8938443" y="4014216"/>
             <a:ext cx="304486" cy="109728"/>
           </a:xfrm>
           <a:prstGeom prst="roundRect">
@@ -19983,7 +19983,7 @@
         </p:nvSpPr>
         <p:spPr>
           <a:xfrm>
-            <a:off x="8938443" y="4684776"/>
+            <a:off x="8938443" y="4532376"/>
             <a:ext cx="640080" cy="109728"/>
           </a:xfrm>
           <a:prstGeom prst="roundRect">
@@ -20026,7 +20026,7 @@
         </p:nvSpPr>
         <p:spPr>
           <a:xfrm>
-            <a:off x="8938443" y="4684776"/>
+            <a:off x="8938443" y="4532376"/>
             <a:ext cx="211098" cy="109728"/>
           </a:xfrm>
           <a:prstGeom prst="roundRect">
@@ -20069,7 +20069,7 @@
         </p:nvSpPr>
         <p:spPr>
           <a:xfrm>
-            <a:off x="8938443" y="5202936"/>
+            <a:off x="8938443" y="5050536"/>
             <a:ext cx="640080" cy="109728"/>
           </a:xfrm>
           <a:prstGeom prst="roundRect">
@@ -20112,7 +20112,7 @@
         </p:nvSpPr>
         <p:spPr>
           <a:xfrm>
-            <a:off x="8938443" y="5202936"/>
+            <a:off x="8938443" y="5050536"/>
             <a:ext cx="182870" cy="109728"/>
           </a:xfrm>
           <a:prstGeom prst="roundRect">
@@ -20155,7 +20155,7 @@
         </p:nvSpPr>
         <p:spPr>
           <a:xfrm>
-            <a:off x="8938443" y="5721096"/>
+            <a:off x="8938443" y="5568696"/>
             <a:ext cx="640080" cy="109728"/>
           </a:xfrm>
           <a:prstGeom prst="roundRect">
@@ -20198,7 +20198,7 @@
         </p:nvSpPr>
         <p:spPr>
           <a:xfrm>
-            <a:off x="8938443" y="5721096"/>
+            <a:off x="8938443" y="5568696"/>
             <a:ext cx="155155" cy="109728"/>
           </a:xfrm>
           <a:prstGeom prst="roundRect">
@@ -20408,7 +20408,7 @@
         <p:spPr>
           <a:xfrm>
             <a:off x="-274320" y="1005840"/>
-            <a:ext cx="10241280" cy="5303520"/>
+            <a:ext cx="10241280" cy="5086350"/>
           </a:xfrm>
           <a:prstGeom prst="roundRect">
             <a:avLst/>
@@ -20454,7 +20454,7 @@
         </p:nvGraphicFramePr>
         <p:xfrm>
           <a:off x="91440" y="1371600"/>
-          <a:ext cx="9532803" cy="4663440"/>
+          <a:ext cx="9532803" cy="4446270"/>
         </p:xfrm>
         <a:graphic>
           <a:graphicData uri="http://schemas.openxmlformats.org/drawingml/2006/table">
@@ -20471,13 +20471,13 @@
                 <a:gridCol w="1088502"/>
                 <a:gridCol w="1691640"/>
               </a:tblGrid>
-              <a:tr h="582930">
-                <a:tc>
-                  <a:txBody>
-                    <a:bodyPr wrap="none"/>
-                    <a:lstStyle/>
-                    <a:p>
-                      <a:pPr algn="ctr">
+              <a:tr h="365760">
+                <a:tc>
+                  <a:txBody>
+                    <a:bodyPr wrap="none"/>
+                    <a:lstStyle/>
+                    <a:p>
+                      <a:pPr algn="l">
                         <a:defRPr b="1" sz="1600">
                           <a:solidFill>
                             <a:srgbClr val="FFFFFF"/>
@@ -20500,7 +20500,7 @@
                     <a:bodyPr wrap="none"/>
                     <a:lstStyle/>
                     <a:p>
-                      <a:pPr algn="ctr">
+                      <a:pPr algn="l">
                         <a:defRPr b="1" sz="1600">
                           <a:solidFill>
                             <a:srgbClr val="FFFFFF"/>
@@ -20523,7 +20523,7 @@
                     <a:bodyPr wrap="none"/>
                     <a:lstStyle/>
                     <a:p>
-                      <a:pPr algn="ctr">
+                      <a:pPr algn="l">
                         <a:defRPr b="1" sz="1600">
                           <a:solidFill>
                             <a:srgbClr val="FFFFFF"/>
@@ -20546,7 +20546,7 @@
                     <a:bodyPr wrap="none"/>
                     <a:lstStyle/>
                     <a:p>
-                      <a:pPr algn="ctr">
+                      <a:pPr algn="l">
                         <a:defRPr b="1" sz="1600">
                           <a:solidFill>
                             <a:srgbClr val="FFFFFF"/>
@@ -20569,7 +20569,7 @@
                     <a:bodyPr wrap="none"/>
                     <a:lstStyle/>
                     <a:p>
-                      <a:pPr algn="ctr">
+                      <a:pPr algn="l">
                         <a:defRPr b="1" sz="1600">
                           <a:solidFill>
                             <a:srgbClr val="FFFFFF"/>
@@ -20592,7 +20592,7 @@
                     <a:bodyPr wrap="none"/>
                     <a:lstStyle/>
                     <a:p>
-                      <a:pPr algn="ctr">
+                      <a:pPr algn="l">
                         <a:defRPr b="1" sz="1600">
                           <a:solidFill>
                             <a:srgbClr val="FFFFFF"/>
@@ -20615,7 +20615,7 @@
                     <a:bodyPr wrap="none"/>
                     <a:lstStyle/>
                     <a:p>
-                      <a:pPr algn="ctr">
+                      <a:pPr algn="l">
                         <a:defRPr b="1" sz="1600">
                           <a:solidFill>
                             <a:srgbClr val="FFFFFF"/>
@@ -21787,7 +21787,7 @@
         </p:nvSpPr>
         <p:spPr>
           <a:xfrm>
-            <a:off x="8938443" y="2191131"/>
+            <a:off x="8938443" y="1973961"/>
             <a:ext cx="640080" cy="109728"/>
           </a:xfrm>
           <a:prstGeom prst="roundRect">
@@ -21830,7 +21830,7 @@
         </p:nvSpPr>
         <p:spPr>
           <a:xfrm>
-            <a:off x="8938443" y="2191131"/>
+            <a:off x="8938443" y="1973961"/>
             <a:ext cx="163924" cy="109728"/>
           </a:xfrm>
           <a:prstGeom prst="roundRect">
@@ -21873,7 +21873,7 @@
         </p:nvSpPr>
         <p:spPr>
           <a:xfrm>
-            <a:off x="8938443" y="2774061"/>
+            <a:off x="8938443" y="2556891"/>
             <a:ext cx="640080" cy="109728"/>
           </a:xfrm>
           <a:prstGeom prst="roundRect">
@@ -21916,7 +21916,7 @@
         </p:nvSpPr>
         <p:spPr>
           <a:xfrm>
-            <a:off x="8938443" y="2774061"/>
+            <a:off x="8938443" y="2556891"/>
             <a:ext cx="131664" cy="109728"/>
           </a:xfrm>
           <a:prstGeom prst="roundRect">
@@ -21959,7 +21959,7 @@
         </p:nvSpPr>
         <p:spPr>
           <a:xfrm>
-            <a:off x="8938443" y="3356991"/>
+            <a:off x="8938443" y="3139821"/>
             <a:ext cx="640080" cy="109728"/>
           </a:xfrm>
           <a:prstGeom prst="roundRect">
@@ -22002,7 +22002,7 @@
         </p:nvSpPr>
         <p:spPr>
           <a:xfrm>
-            <a:off x="8938443" y="3356991"/>
+            <a:off x="8938443" y="3139821"/>
             <a:ext cx="208410" cy="109728"/>
           </a:xfrm>
           <a:prstGeom prst="roundRect">
@@ -22045,7 +22045,7 @@
         </p:nvSpPr>
         <p:spPr>
           <a:xfrm>
-            <a:off x="8938443" y="3939921"/>
+            <a:off x="8938443" y="3722751"/>
             <a:ext cx="640080" cy="109728"/>
           </a:xfrm>
           <a:prstGeom prst="roundRect">
@@ -22088,7 +22088,7 @@
         </p:nvSpPr>
         <p:spPr>
           <a:xfrm>
-            <a:off x="8938443" y="3939921"/>
+            <a:off x="8938443" y="3722751"/>
             <a:ext cx="238749" cy="109728"/>
           </a:xfrm>
           <a:prstGeom prst="roundRect">
@@ -22131,7 +22131,7 @@
         </p:nvSpPr>
         <p:spPr>
           <a:xfrm>
-            <a:off x="8938443" y="4522851"/>
+            <a:off x="8938443" y="4305681"/>
             <a:ext cx="640080" cy="109728"/>
           </a:xfrm>
           <a:prstGeom prst="roundRect">
@@ -22174,7 +22174,7 @@
         </p:nvSpPr>
         <p:spPr>
           <a:xfrm>
-            <a:off x="8938443" y="4522851"/>
+            <a:off x="8938443" y="4305681"/>
             <a:ext cx="249055" cy="109728"/>
           </a:xfrm>
           <a:prstGeom prst="roundRect">
@@ -22217,7 +22217,7 @@
         </p:nvSpPr>
         <p:spPr>
           <a:xfrm>
-            <a:off x="8938443" y="5105781"/>
+            <a:off x="8938443" y="4888611"/>
             <a:ext cx="640080" cy="109728"/>
           </a:xfrm>
           <a:prstGeom prst="roundRect">
@@ -22260,7 +22260,7 @@
         </p:nvSpPr>
         <p:spPr>
           <a:xfrm>
-            <a:off x="8938443" y="5105781"/>
+            <a:off x="8938443" y="4888611"/>
             <a:ext cx="292196" cy="109728"/>
           </a:xfrm>
           <a:prstGeom prst="roundRect">
@@ -22303,7 +22303,7 @@
         </p:nvSpPr>
         <p:spPr>
           <a:xfrm>
-            <a:off x="8938443" y="5688711"/>
+            <a:off x="8938443" y="5471541"/>
             <a:ext cx="640080" cy="109728"/>
           </a:xfrm>
           <a:prstGeom prst="roundRect">
@@ -22346,7 +22346,7 @@
         </p:nvSpPr>
         <p:spPr>
           <a:xfrm>
-            <a:off x="8938443" y="5688711"/>
+            <a:off x="8938443" y="5471541"/>
             <a:ext cx="330345" cy="109728"/>
           </a:xfrm>
           <a:prstGeom prst="roundRect">
